--- a/public/user/output/U201812791-刘棫欣-1.《喜马拉雅FM免费增值策略对用户留存的影响的实证研究》/output_5_5.pptx
+++ b/public/user/output/U201812791-刘棫欣-1.《喜马拉雅FM免费增值策略对用户留存的影响的实证研究》/output_5_5.pptx
@@ -3948,7 +3948,7 @@
       </p:sp>
       <p:pic>
         <p:nvPicPr>
-          <p:cNvPr id="82" name="Picture 81" descr="12-rId24-image3.png"/>
+          <p:cNvPr id="82" name="Picture 81" descr="13-rId23-image2.png"/>
           <p:cNvPicPr>
             <a:picLocks noChangeAspect="1"/>
           </p:cNvPicPr>
